--- a/lezioni/CV 02 cinematica dei sistemi di corpi rigidi.pptx
+++ b/lezioni/CV 02 cinematica dei sistemi di corpi rigidi.pptx
@@ -5,7 +5,7 @@
     <p:sldMasterId id="2147483648" r:id="rId1"/>
   </p:sldMasterIdLst>
   <p:notesMasterIdLst>
-    <p:notesMasterId r:id="rId27"/>
+    <p:notesMasterId r:id="rId28"/>
   </p:notesMasterIdLst>
   <p:sldIdLst>
     <p:sldId id="282" r:id="rId2"/>
@@ -24,15 +24,16 @@
     <p:sldId id="276" r:id="rId15"/>
     <p:sldId id="278" r:id="rId16"/>
     <p:sldId id="280" r:id="rId17"/>
-    <p:sldId id="295" r:id="rId18"/>
-    <p:sldId id="296" r:id="rId19"/>
-    <p:sldId id="297" r:id="rId20"/>
-    <p:sldId id="281" r:id="rId21"/>
-    <p:sldId id="290" r:id="rId22"/>
-    <p:sldId id="291" r:id="rId23"/>
-    <p:sldId id="292" r:id="rId24"/>
-    <p:sldId id="293" r:id="rId25"/>
-    <p:sldId id="294" r:id="rId26"/>
+    <p:sldId id="298" r:id="rId18"/>
+    <p:sldId id="295" r:id="rId19"/>
+    <p:sldId id="296" r:id="rId20"/>
+    <p:sldId id="297" r:id="rId21"/>
+    <p:sldId id="281" r:id="rId22"/>
+    <p:sldId id="290" r:id="rId23"/>
+    <p:sldId id="291" r:id="rId24"/>
+    <p:sldId id="292" r:id="rId25"/>
+    <p:sldId id="293" r:id="rId26"/>
+    <p:sldId id="294" r:id="rId27"/>
   </p:sldIdLst>
   <p:sldSz cx="12192000" cy="6858000"/>
   <p:notesSz cx="6858000" cy="9144000"/>
@@ -345,13 +346,53 @@
 <file path=ppt/revisionInfo.xml><?xml version="1.0" encoding="utf-8"?>
 <p1510:revInfo xmlns:a="http://schemas.openxmlformats.org/drawingml/2006/main" xmlns:r="http://schemas.openxmlformats.org/officeDocument/2006/relationships" xmlns:p1510="http://schemas.microsoft.com/office/powerpoint/2015/10/main">
   <p1510:revLst>
-    <p1510:client id="{15935624-5724-B14E-AC17-794ECC655E95}" v="996" dt="2023-02-06T20:26:33.830"/>
+    <p1510:client id="{2D96C414-0CA8-C441-A591-E56AF29947AB}" v="9" dt="2023-12-16T17:52:50.355"/>
   </p1510:revLst>
 </p1510:revInfo>
 </file>
 
 <file path=ppt/changesInfos/changesInfo1.xml><?xml version="1.0" encoding="utf-8"?>
 <pc:chgInfo xmlns:a="http://schemas.openxmlformats.org/drawingml/2006/main" xmlns:r="http://schemas.openxmlformats.org/officeDocument/2006/relationships" xmlns:ac="http://schemas.microsoft.com/office/drawing/2013/main/command" xmlns:pc="http://schemas.microsoft.com/office/powerpoint/2013/main/command">
+  <pc:docChgLst>
+    <pc:chgData name="Giuseppe Tomassetti" userId="602e5fa9-ac8c-4882-a6c6-5d2537fdee56" providerId="ADAL" clId="{2D96C414-0CA8-C441-A591-E56AF29947AB}"/>
+    <pc:docChg chg="custSel addSld modSld">
+      <pc:chgData name="Giuseppe Tomassetti" userId="602e5fa9-ac8c-4882-a6c6-5d2537fdee56" providerId="ADAL" clId="{2D96C414-0CA8-C441-A591-E56AF29947AB}" dt="2023-12-16T17:52:52.513" v="97" actId="1076"/>
+      <pc:docMkLst>
+        <pc:docMk/>
+      </pc:docMkLst>
+      <pc:sldChg chg="addSp delSp modSp new mod">
+        <pc:chgData name="Giuseppe Tomassetti" userId="602e5fa9-ac8c-4882-a6c6-5d2537fdee56" providerId="ADAL" clId="{2D96C414-0CA8-C441-A591-E56AF29947AB}" dt="2023-12-16T17:52:52.513" v="97" actId="1076"/>
+        <pc:sldMkLst>
+          <pc:docMk/>
+          <pc:sldMk cId="616693751" sldId="298"/>
+        </pc:sldMkLst>
+        <pc:spChg chg="mod">
+          <ac:chgData name="Giuseppe Tomassetti" userId="602e5fa9-ac8c-4882-a6c6-5d2537fdee56" providerId="ADAL" clId="{2D96C414-0CA8-C441-A591-E56AF29947AB}" dt="2023-12-16T17:52:21.771" v="62" actId="20577"/>
+          <ac:spMkLst>
+            <pc:docMk/>
+            <pc:sldMk cId="616693751" sldId="298"/>
+            <ac:spMk id="2" creationId="{39B01207-354B-9E1A-4B6D-54DD8108D339}"/>
+          </ac:spMkLst>
+        </pc:spChg>
+        <pc:spChg chg="del">
+          <ac:chgData name="Giuseppe Tomassetti" userId="602e5fa9-ac8c-4882-a6c6-5d2537fdee56" providerId="ADAL" clId="{2D96C414-0CA8-C441-A591-E56AF29947AB}" dt="2023-12-16T17:52:23.655" v="63" actId="478"/>
+          <ac:spMkLst>
+            <pc:docMk/>
+            <pc:sldMk cId="616693751" sldId="298"/>
+            <ac:spMk id="3" creationId="{AAB12F51-727D-471D-6CCA-EC6FB73F4396}"/>
+          </ac:spMkLst>
+        </pc:spChg>
+        <pc:picChg chg="add mod replST">
+          <ac:chgData name="Giuseppe Tomassetti" userId="602e5fa9-ac8c-4882-a6c6-5d2537fdee56" providerId="ADAL" clId="{2D96C414-0CA8-C441-A591-E56AF29947AB}" dt="2023-12-16T17:52:52.513" v="97" actId="1076"/>
+          <ac:picMkLst>
+            <pc:docMk/>
+            <pc:sldMk cId="616693751" sldId="298"/>
+            <ac:picMk id="5" creationId="{AE68DFBE-3494-8B1F-7E85-7D5B8EB03ABA}"/>
+          </ac:picMkLst>
+        </pc:picChg>
+      </pc:sldChg>
+    </pc:docChg>
+  </pc:docChgLst>
   <pc:docChgLst>
     <pc:chgData name="Giuseppe Tomassetti" userId="602e5fa9-ac8c-4882-a6c6-5d2537fdee56" providerId="ADAL" clId="{15935624-5724-B14E-AC17-794ECC655E95}"/>
     <pc:docChg chg="undo custSel addSld delSld modSld">
@@ -3715,7 +3756,7 @@
           </a:ln>
           <a:extLst>
             <a:ext uri="{C572A759-6A51-4108-AA02-DFA0A04FC94B}">
-              <ma14:wrappingTextBoxFlag xmlns:ma14="http://schemas.microsoft.com/office/mac/drawingml/2011/main" xmlns:a14="http://schemas.microsoft.com/office/drawing/2010/main" xmlns:m="http://schemas.openxmlformats.org/officeDocument/2006/math" xmlns="" val="1"/>
+              <ma14:wrappingTextBoxFlag xmlns="" xmlns:m="http://schemas.openxmlformats.org/officeDocument/2006/math" xmlns:a14="http://schemas.microsoft.com/office/drawing/2010/main" xmlns:ma14="http://schemas.microsoft.com/office/mac/drawingml/2011/main" val="1"/>
             </a:ext>
           </a:extLst>
         </p:spPr>
@@ -3754,7 +3795,7 @@
           </a:ln>
           <a:extLst>
             <a:ext uri="{C572A759-6A51-4108-AA02-DFA0A04FC94B}">
-              <ma14:wrappingTextBoxFlag xmlns:ma14="http://schemas.microsoft.com/office/mac/drawingml/2011/main" xmlns:a14="http://schemas.microsoft.com/office/drawing/2010/main" xmlns:m="http://schemas.openxmlformats.org/officeDocument/2006/math" xmlns="" val="1"/>
+              <ma14:wrappingTextBoxFlag xmlns="" xmlns:m="http://schemas.openxmlformats.org/officeDocument/2006/math" xmlns:a14="http://schemas.microsoft.com/office/drawing/2010/main" xmlns:ma14="http://schemas.microsoft.com/office/mac/drawingml/2011/main" val="1"/>
             </a:ext>
           </a:extLst>
         </p:spPr>
@@ -21527,6 +21568,112 @@
       </p:grpSpPr>
       <p:sp>
         <p:nvSpPr>
+          <p:cNvPr id="2" name="Title 1">
+            <a:extLst>
+              <a:ext uri="{FF2B5EF4-FFF2-40B4-BE49-F238E27FC236}">
+                <a16:creationId xmlns:a16="http://schemas.microsoft.com/office/drawing/2014/main" id="{39B01207-354B-9E1A-4B6D-54DD8108D339}"/>
+              </a:ext>
+            </a:extLst>
+          </p:cNvPr>
+          <p:cNvSpPr>
+            <a:spLocks noGrp="1"/>
+          </p:cNvSpPr>
+          <p:nvPr>
+            <p:ph type="title"/>
+          </p:nvPr>
+        </p:nvSpPr>
+        <p:spPr>
+          <a:xfrm>
+            <a:off x="831850" y="1709738"/>
+            <a:ext cx="7797245" cy="740499"/>
+          </a:xfrm>
+        </p:spPr>
+        <p:txBody>
+          <a:bodyPr>
+            <a:normAutofit fontScale="90000"/>
+          </a:bodyPr>
+          <a:lstStyle/>
+          <a:p>
+            <a:r>
+              <a:rPr lang="en-IT" dirty="0"/>
+              <a:t>Grado di labilita’di una struttura</a:t>
+            </a:r>
+          </a:p>
+        </p:txBody>
+      </p:sp>
+      <p:pic>
+        <p:nvPicPr>
+          <p:cNvPr id="5" name="Picture 4" descr="\documentclass{article}&#10;\usepackage{amssymb,amsmath,bbm,mathrsfs}&#10;\setlength\parindent{0em}&#10;\usepackage{geometry}&#10;\geometry{textwidth=10cm}&#10;\setlength\parskip{1em}&#10;\pagestyle{empty}&#10;\begin{document}&#10;Si definisce grado di labilità della struttura la dimensione dello spazione delle soluzioni del problema cinematico.&#10;&#10;&#10;\end{document}" title="IguanaTex Bitmap Display">
+            <a:extLst>
+              <a:ext uri="{FF2B5EF4-FFF2-40B4-BE49-F238E27FC236}">
+                <a16:creationId xmlns:a16="http://schemas.microsoft.com/office/drawing/2014/main" id="{AE68DFBE-3494-8B1F-7E85-7D5B8EB03ABA}"/>
+              </a:ext>
+            </a:extLst>
+          </p:cNvPr>
+          <p:cNvPicPr>
+            <a:picLocks noChangeAspect="1"/>
+          </p:cNvPicPr>
+          <p:nvPr>
+            <p:custDataLst>
+              <p:tags r:id="rId1"/>
+            </p:custDataLst>
+          </p:nvPr>
+        </p:nvPicPr>
+        <p:blipFill>
+          <a:blip r:embed="rId3">
+            <a:extLst>
+              <a:ext uri="{28A0092B-C50C-407E-A947-70E740481C1C}">
+                <a14:useLocalDpi xmlns:a14="http://schemas.microsoft.com/office/drawing/2010/main" val="0"/>
+              </a:ext>
+            </a:extLst>
+          </a:blip>
+          <a:stretch>
+            <a:fillRect/>
+          </a:stretch>
+        </p:blipFill>
+        <p:spPr>
+          <a:xfrm>
+            <a:off x="831850" y="3013799"/>
+            <a:ext cx="7188200" cy="533400"/>
+          </a:xfrm>
+          <a:prstGeom prst="rect">
+            <a:avLst/>
+          </a:prstGeom>
+        </p:spPr>
+      </p:pic>
+    </p:spTree>
+    <p:extLst>
+      <p:ext uri="{BB962C8B-B14F-4D97-AF65-F5344CB8AC3E}">
+        <p14:creationId xmlns:p14="http://schemas.microsoft.com/office/powerpoint/2010/main" val="616693751"/>
+      </p:ext>
+    </p:extLst>
+  </p:cSld>
+  <p:clrMapOvr>
+    <a:masterClrMapping/>
+  </p:clrMapOvr>
+  <p:transition spd="med"/>
+</p:sld>
+</file>
+
+<file path=ppt/slides/slide18.xml><?xml version="1.0" encoding="utf-8"?>
+<p:sld xmlns:a="http://schemas.openxmlformats.org/drawingml/2006/main" xmlns:r="http://schemas.openxmlformats.org/officeDocument/2006/relationships" xmlns:p="http://schemas.openxmlformats.org/presentationml/2006/main">
+  <p:cSld>
+    <p:spTree>
+      <p:nvGrpSpPr>
+        <p:cNvPr id="1" name=""/>
+        <p:cNvGrpSpPr/>
+        <p:nvPr/>
+      </p:nvGrpSpPr>
+      <p:grpSpPr>
+        <a:xfrm>
+          <a:off x="0" y="0"/>
+          <a:ext cx="0" cy="0"/>
+          <a:chOff x="0" y="0"/>
+          <a:chExt cx="0" cy="0"/>
+        </a:xfrm>
+      </p:grpSpPr>
+      <p:sp>
+        <p:nvSpPr>
           <p:cNvPr id="5" name="TextBox 4">
             <a:extLst>
               <a:ext uri="{FF2B5EF4-FFF2-40B4-BE49-F238E27FC236}">
@@ -21779,7 +21926,7 @@
 </p:sld>
 </file>
 
-<file path=ppt/slides/slide18.xml><?xml version="1.0" encoding="utf-8"?>
+<file path=ppt/slides/slide19.xml><?xml version="1.0" encoding="utf-8"?>
 <p:sld xmlns:a="http://schemas.openxmlformats.org/drawingml/2006/main" xmlns:r="http://schemas.openxmlformats.org/officeDocument/2006/relationships" xmlns:p="http://schemas.openxmlformats.org/presentationml/2006/main">
   <p:cSld>
     <p:spTree>
@@ -22040,227 +22187,6 @@
     <p:extLst>
       <p:ext uri="{BB962C8B-B14F-4D97-AF65-F5344CB8AC3E}">
         <p14:creationId xmlns:p14="http://schemas.microsoft.com/office/powerpoint/2010/main" val="60288578"/>
-      </p:ext>
-    </p:extLst>
-  </p:cSld>
-  <p:clrMapOvr>
-    <a:masterClrMapping/>
-  </p:clrMapOvr>
-  <p:transition spd="med"/>
-</p:sld>
-</file>
-
-<file path=ppt/slides/slide19.xml><?xml version="1.0" encoding="utf-8"?>
-<p:sld xmlns:a="http://schemas.openxmlformats.org/drawingml/2006/main" xmlns:r="http://schemas.openxmlformats.org/officeDocument/2006/relationships" xmlns:p="http://schemas.openxmlformats.org/presentationml/2006/main">
-  <p:cSld>
-    <p:spTree>
-      <p:nvGrpSpPr>
-        <p:cNvPr id="1" name=""/>
-        <p:cNvGrpSpPr/>
-        <p:nvPr/>
-      </p:nvGrpSpPr>
-      <p:grpSpPr>
-        <a:xfrm>
-          <a:off x="0" y="0"/>
-          <a:ext cx="0" cy="0"/>
-          <a:chOff x="0" y="0"/>
-          <a:chExt cx="0" cy="0"/>
-        </a:xfrm>
-      </p:grpSpPr>
-      <p:sp>
-        <p:nvSpPr>
-          <p:cNvPr id="5" name="TextBox 4">
-            <a:extLst>
-              <a:ext uri="{FF2B5EF4-FFF2-40B4-BE49-F238E27FC236}">
-                <a16:creationId xmlns:a16="http://schemas.microsoft.com/office/drawing/2014/main" id="{D73DDEF7-F604-2CFB-544A-6EEDE44AC0B9}"/>
-              </a:ext>
-            </a:extLst>
-          </p:cNvPr>
-          <p:cNvSpPr txBox="1"/>
-          <p:nvPr/>
-        </p:nvSpPr>
-        <p:spPr>
-          <a:xfrm>
-            <a:off x="119743" y="100989"/>
-            <a:ext cx="6096000" cy="369332"/>
-          </a:xfrm>
-          <a:prstGeom prst="rect">
-            <a:avLst/>
-          </a:prstGeom>
-          <a:noFill/>
-          <a:ln w="12700" cap="flat">
-            <a:noFill/>
-            <a:miter lim="400000"/>
-          </a:ln>
-          <a:effectLst/>
-          <a:sp3d/>
-        </p:spPr>
-        <p:style>
-          <a:lnRef idx="0">
-            <a:scrgbClr r="0" g="0" b="0"/>
-          </a:lnRef>
-          <a:fillRef idx="0">
-            <a:scrgbClr r="0" g="0" b="0"/>
-          </a:fillRef>
-          <a:effectRef idx="0">
-            <a:scrgbClr r="0" g="0" b="0"/>
-          </a:effectRef>
-          <a:fontRef idx="none"/>
-        </p:style>
-        <p:txBody>
-          <a:bodyPr wrap="square">
-            <a:spAutoFit/>
-          </a:bodyPr>
-          <a:lstStyle/>
-          <a:p>
-            <a:pPr algn="l"/>
-            <a:r>
-              <a:rPr lang="en-GB" b="1" i="0" u="none" strike="noStrike" dirty="0" err="1">
-                <a:solidFill>
-                  <a:srgbClr val="357B7B"/>
-                </a:solidFill>
-                <a:effectLst/>
-                <a:latin typeface="freight-text-pro"/>
-              </a:rPr>
-              <a:t>Sistemi</a:t>
-            </a:r>
-            <a:r>
-              <a:rPr lang="en-GB" b="1" i="0" u="none" strike="noStrike" dirty="0">
-                <a:solidFill>
-                  <a:srgbClr val="357B7B"/>
-                </a:solidFill>
-                <a:effectLst/>
-                <a:latin typeface="freight-text-pro"/>
-              </a:rPr>
-              <a:t> di </a:t>
-            </a:r>
-            <a:r>
-              <a:rPr lang="en-GB" b="1" i="0" u="none" strike="noStrike" dirty="0" err="1">
-                <a:solidFill>
-                  <a:srgbClr val="357B7B"/>
-                </a:solidFill>
-                <a:effectLst/>
-                <a:latin typeface="freight-text-pro"/>
-              </a:rPr>
-              <a:t>corpi</a:t>
-            </a:r>
-            <a:r>
-              <a:rPr lang="en-GB" b="1" i="0" u="none" strike="noStrike" dirty="0">
-                <a:solidFill>
-                  <a:srgbClr val="357B7B"/>
-                </a:solidFill>
-                <a:effectLst/>
-                <a:latin typeface="freight-text-pro"/>
-              </a:rPr>
-              <a:t> rigidi</a:t>
-            </a:r>
-          </a:p>
-        </p:txBody>
-      </p:sp>
-      <p:pic>
-        <p:nvPicPr>
-          <p:cNvPr id="21" name="Picture 20">
-            <a:extLst>
-              <a:ext uri="{FF2B5EF4-FFF2-40B4-BE49-F238E27FC236}">
-                <a16:creationId xmlns:a16="http://schemas.microsoft.com/office/drawing/2014/main" id="{D4DDD202-77A0-FA20-73A6-C36A46333F69}"/>
-              </a:ext>
-            </a:extLst>
-          </p:cNvPr>
-          <p:cNvPicPr>
-            <a:picLocks noChangeAspect="1"/>
-          </p:cNvPicPr>
-          <p:nvPr/>
-        </p:nvPicPr>
-        <p:blipFill>
-          <a:blip r:embed="rId3"/>
-          <a:stretch>
-            <a:fillRect/>
-          </a:stretch>
-        </p:blipFill>
-        <p:spPr>
-          <a:xfrm>
-            <a:off x="7919711" y="285655"/>
-            <a:ext cx="4272289" cy="3149161"/>
-          </a:xfrm>
-          <a:prstGeom prst="rect">
-            <a:avLst/>
-          </a:prstGeom>
-        </p:spPr>
-      </p:pic>
-      <p:pic>
-        <p:nvPicPr>
-          <p:cNvPr id="22" name="Picture 21">
-            <a:extLst>
-              <a:ext uri="{FF2B5EF4-FFF2-40B4-BE49-F238E27FC236}">
-                <a16:creationId xmlns:a16="http://schemas.microsoft.com/office/drawing/2014/main" id="{E8F6D992-90C1-9960-4261-CA923DB78E40}"/>
-              </a:ext>
-            </a:extLst>
-          </p:cNvPr>
-          <p:cNvPicPr>
-            <a:picLocks noChangeAspect="1"/>
-          </p:cNvPicPr>
-          <p:nvPr/>
-        </p:nvPicPr>
-        <p:blipFill>
-          <a:blip r:embed="rId4"/>
-          <a:stretch>
-            <a:fillRect/>
-          </a:stretch>
-        </p:blipFill>
-        <p:spPr>
-          <a:xfrm>
-            <a:off x="8387611" y="3814119"/>
-            <a:ext cx="3804389" cy="2599038"/>
-          </a:xfrm>
-          <a:prstGeom prst="rect">
-            <a:avLst/>
-          </a:prstGeom>
-        </p:spPr>
-      </p:pic>
-      <p:pic>
-        <p:nvPicPr>
-          <p:cNvPr id="4" name="Picture 3" descr="\documentclass{article}&#10;\usepackage{amssymb,amsmath,bbm,mathrsfs}&#10;\setlength\parindent{0em}&#10;\usepackage{geometry}&#10;\geometry{textwidth=10cm}&#10;\setlength\parskip{1em}&#10;\pagestyle{empty}&#10;\begin{document}&#10;&#10;Essendo $\mathbf A$ quadrata e invertibile, il sistema è isocinematico e ammette soluzione unica:&#10;&#10;$\mathbf{q}=\mathbf{A}^{-1} \mathbf{s}=\left[\begin{array}{llllll}\delta &amp; 0 &amp; -\frac{\delta}{l} &amp; \delta &amp; -\delta &amp; 0\end{array}\right]^T$&#10;&#10;&#10;Ottenuta la soluzione, possiamo scrivere:&#10;&#10;corpo $1:\left\{\begin{array}{l}u=\delta+\frac{\delta}{l} y_1 \\ v=-\frac{\delta}{l} x_1\end{array} \quad\right.$ &#10;&#10;corpo $2:\left\{\begin{array}{l}u=\delta \\ v=-\delta\end{array}\right.$&#10;&#10;\end{document}" title="IguanaTex Bitmap Display">
-            <a:extLst>
-              <a:ext uri="{FF2B5EF4-FFF2-40B4-BE49-F238E27FC236}">
-                <a16:creationId xmlns:a16="http://schemas.microsoft.com/office/drawing/2014/main" id="{C63F8505-0981-CE17-B955-2B7548B5FE96}"/>
-              </a:ext>
-            </a:extLst>
-          </p:cNvPr>
-          <p:cNvPicPr>
-            <a:picLocks noChangeAspect="1"/>
-          </p:cNvPicPr>
-          <p:nvPr>
-            <p:custDataLst>
-              <p:tags r:id="rId1"/>
-            </p:custDataLst>
-          </p:nvPr>
-        </p:nvPicPr>
-        <p:blipFill>
-          <a:blip r:embed="rId5">
-            <a:extLst>
-              <a:ext uri="{28A0092B-C50C-407E-A947-70E740481C1C}">
-                <a14:useLocalDpi xmlns:a14="http://schemas.microsoft.com/office/drawing/2010/main" val="0"/>
-              </a:ext>
-            </a:extLst>
-          </a:blip>
-          <a:stretch>
-            <a:fillRect/>
-          </a:stretch>
-        </p:blipFill>
-        <p:spPr>
-          <a:xfrm>
-            <a:off x="402281" y="1044833"/>
-            <a:ext cx="7188200" cy="3429000"/>
-          </a:xfrm>
-          <a:prstGeom prst="rect">
-            <a:avLst/>
-          </a:prstGeom>
-        </p:spPr>
-      </p:pic>
-    </p:spTree>
-    <p:extLst>
-      <p:ext uri="{BB962C8B-B14F-4D97-AF65-F5344CB8AC3E}">
-        <p14:creationId xmlns:p14="http://schemas.microsoft.com/office/powerpoint/2010/main" val="1698443353"/>
       </p:ext>
     </p:extLst>
   </p:cSld>
@@ -22512,6 +22438,227 @@
           <p:cNvPr id="5" name="TextBox 4">
             <a:extLst>
               <a:ext uri="{FF2B5EF4-FFF2-40B4-BE49-F238E27FC236}">
+                <a16:creationId xmlns:a16="http://schemas.microsoft.com/office/drawing/2014/main" id="{D73DDEF7-F604-2CFB-544A-6EEDE44AC0B9}"/>
+              </a:ext>
+            </a:extLst>
+          </p:cNvPr>
+          <p:cNvSpPr txBox="1"/>
+          <p:nvPr/>
+        </p:nvSpPr>
+        <p:spPr>
+          <a:xfrm>
+            <a:off x="119743" y="100989"/>
+            <a:ext cx="6096000" cy="369332"/>
+          </a:xfrm>
+          <a:prstGeom prst="rect">
+            <a:avLst/>
+          </a:prstGeom>
+          <a:noFill/>
+          <a:ln w="12700" cap="flat">
+            <a:noFill/>
+            <a:miter lim="400000"/>
+          </a:ln>
+          <a:effectLst/>
+          <a:sp3d/>
+        </p:spPr>
+        <p:style>
+          <a:lnRef idx="0">
+            <a:scrgbClr r="0" g="0" b="0"/>
+          </a:lnRef>
+          <a:fillRef idx="0">
+            <a:scrgbClr r="0" g="0" b="0"/>
+          </a:fillRef>
+          <a:effectRef idx="0">
+            <a:scrgbClr r="0" g="0" b="0"/>
+          </a:effectRef>
+          <a:fontRef idx="none"/>
+        </p:style>
+        <p:txBody>
+          <a:bodyPr wrap="square">
+            <a:spAutoFit/>
+          </a:bodyPr>
+          <a:lstStyle/>
+          <a:p>
+            <a:pPr algn="l"/>
+            <a:r>
+              <a:rPr lang="en-GB" b="1" i="0" u="none" strike="noStrike" dirty="0" err="1">
+                <a:solidFill>
+                  <a:srgbClr val="357B7B"/>
+                </a:solidFill>
+                <a:effectLst/>
+                <a:latin typeface="freight-text-pro"/>
+              </a:rPr>
+              <a:t>Sistemi</a:t>
+            </a:r>
+            <a:r>
+              <a:rPr lang="en-GB" b="1" i="0" u="none" strike="noStrike" dirty="0">
+                <a:solidFill>
+                  <a:srgbClr val="357B7B"/>
+                </a:solidFill>
+                <a:effectLst/>
+                <a:latin typeface="freight-text-pro"/>
+              </a:rPr>
+              <a:t> di </a:t>
+            </a:r>
+            <a:r>
+              <a:rPr lang="en-GB" b="1" i="0" u="none" strike="noStrike" dirty="0" err="1">
+                <a:solidFill>
+                  <a:srgbClr val="357B7B"/>
+                </a:solidFill>
+                <a:effectLst/>
+                <a:latin typeface="freight-text-pro"/>
+              </a:rPr>
+              <a:t>corpi</a:t>
+            </a:r>
+            <a:r>
+              <a:rPr lang="en-GB" b="1" i="0" u="none" strike="noStrike" dirty="0">
+                <a:solidFill>
+                  <a:srgbClr val="357B7B"/>
+                </a:solidFill>
+                <a:effectLst/>
+                <a:latin typeface="freight-text-pro"/>
+              </a:rPr>
+              <a:t> rigidi</a:t>
+            </a:r>
+          </a:p>
+        </p:txBody>
+      </p:sp>
+      <p:pic>
+        <p:nvPicPr>
+          <p:cNvPr id="21" name="Picture 20">
+            <a:extLst>
+              <a:ext uri="{FF2B5EF4-FFF2-40B4-BE49-F238E27FC236}">
+                <a16:creationId xmlns:a16="http://schemas.microsoft.com/office/drawing/2014/main" id="{D4DDD202-77A0-FA20-73A6-C36A46333F69}"/>
+              </a:ext>
+            </a:extLst>
+          </p:cNvPr>
+          <p:cNvPicPr>
+            <a:picLocks noChangeAspect="1"/>
+          </p:cNvPicPr>
+          <p:nvPr/>
+        </p:nvPicPr>
+        <p:blipFill>
+          <a:blip r:embed="rId3"/>
+          <a:stretch>
+            <a:fillRect/>
+          </a:stretch>
+        </p:blipFill>
+        <p:spPr>
+          <a:xfrm>
+            <a:off x="7919711" y="285655"/>
+            <a:ext cx="4272289" cy="3149161"/>
+          </a:xfrm>
+          <a:prstGeom prst="rect">
+            <a:avLst/>
+          </a:prstGeom>
+        </p:spPr>
+      </p:pic>
+      <p:pic>
+        <p:nvPicPr>
+          <p:cNvPr id="22" name="Picture 21">
+            <a:extLst>
+              <a:ext uri="{FF2B5EF4-FFF2-40B4-BE49-F238E27FC236}">
+                <a16:creationId xmlns:a16="http://schemas.microsoft.com/office/drawing/2014/main" id="{E8F6D992-90C1-9960-4261-CA923DB78E40}"/>
+              </a:ext>
+            </a:extLst>
+          </p:cNvPr>
+          <p:cNvPicPr>
+            <a:picLocks noChangeAspect="1"/>
+          </p:cNvPicPr>
+          <p:nvPr/>
+        </p:nvPicPr>
+        <p:blipFill>
+          <a:blip r:embed="rId4"/>
+          <a:stretch>
+            <a:fillRect/>
+          </a:stretch>
+        </p:blipFill>
+        <p:spPr>
+          <a:xfrm>
+            <a:off x="8387611" y="3814119"/>
+            <a:ext cx="3804389" cy="2599038"/>
+          </a:xfrm>
+          <a:prstGeom prst="rect">
+            <a:avLst/>
+          </a:prstGeom>
+        </p:spPr>
+      </p:pic>
+      <p:pic>
+        <p:nvPicPr>
+          <p:cNvPr id="4" name="Picture 3" descr="\documentclass{article}&#10;\usepackage{amssymb,amsmath,bbm,mathrsfs}&#10;\setlength\parindent{0em}&#10;\usepackage{geometry}&#10;\geometry{textwidth=10cm}&#10;\setlength\parskip{1em}&#10;\pagestyle{empty}&#10;\begin{document}&#10;&#10;Essendo $\mathbf A$ quadrata e invertibile, il sistema è isocinematico e ammette soluzione unica:&#10;&#10;$\mathbf{q}=\mathbf{A}^{-1} \mathbf{s}=\left[\begin{array}{llllll}\delta &amp; 0 &amp; -\frac{\delta}{l} &amp; \delta &amp; -\delta &amp; 0\end{array}\right]^T$&#10;&#10;&#10;Ottenuta la soluzione, possiamo scrivere:&#10;&#10;corpo $1:\left\{\begin{array}{l}u=\delta+\frac{\delta}{l} y_1 \\ v=-\frac{\delta}{l} x_1\end{array} \quad\right.$ &#10;&#10;corpo $2:\left\{\begin{array}{l}u=\delta \\ v=-\delta\end{array}\right.$&#10;&#10;\end{document}" title="IguanaTex Bitmap Display">
+            <a:extLst>
+              <a:ext uri="{FF2B5EF4-FFF2-40B4-BE49-F238E27FC236}">
+                <a16:creationId xmlns:a16="http://schemas.microsoft.com/office/drawing/2014/main" id="{C63F8505-0981-CE17-B955-2B7548B5FE96}"/>
+              </a:ext>
+            </a:extLst>
+          </p:cNvPr>
+          <p:cNvPicPr>
+            <a:picLocks noChangeAspect="1"/>
+          </p:cNvPicPr>
+          <p:nvPr>
+            <p:custDataLst>
+              <p:tags r:id="rId1"/>
+            </p:custDataLst>
+          </p:nvPr>
+        </p:nvPicPr>
+        <p:blipFill>
+          <a:blip r:embed="rId5">
+            <a:extLst>
+              <a:ext uri="{28A0092B-C50C-407E-A947-70E740481C1C}">
+                <a14:useLocalDpi xmlns:a14="http://schemas.microsoft.com/office/drawing/2010/main" val="0"/>
+              </a:ext>
+            </a:extLst>
+          </a:blip>
+          <a:stretch>
+            <a:fillRect/>
+          </a:stretch>
+        </p:blipFill>
+        <p:spPr>
+          <a:xfrm>
+            <a:off x="402281" y="1044833"/>
+            <a:ext cx="7188200" cy="3429000"/>
+          </a:xfrm>
+          <a:prstGeom prst="rect">
+            <a:avLst/>
+          </a:prstGeom>
+        </p:spPr>
+      </p:pic>
+    </p:spTree>
+    <p:extLst>
+      <p:ext uri="{BB962C8B-B14F-4D97-AF65-F5344CB8AC3E}">
+        <p14:creationId xmlns:p14="http://schemas.microsoft.com/office/powerpoint/2010/main" val="1698443353"/>
+      </p:ext>
+    </p:extLst>
+  </p:cSld>
+  <p:clrMapOvr>
+    <a:masterClrMapping/>
+  </p:clrMapOvr>
+  <p:transition spd="med"/>
+</p:sld>
+</file>
+
+<file path=ppt/slides/slide21.xml><?xml version="1.0" encoding="utf-8"?>
+<p:sld xmlns:a="http://schemas.openxmlformats.org/drawingml/2006/main" xmlns:r="http://schemas.openxmlformats.org/officeDocument/2006/relationships" xmlns:p="http://schemas.openxmlformats.org/presentationml/2006/main">
+  <p:cSld>
+    <p:spTree>
+      <p:nvGrpSpPr>
+        <p:cNvPr id="1" name=""/>
+        <p:cNvGrpSpPr/>
+        <p:nvPr/>
+      </p:nvGrpSpPr>
+      <p:grpSpPr>
+        <a:xfrm>
+          <a:off x="0" y="0"/>
+          <a:ext cx="0" cy="0"/>
+          <a:chOff x="0" y="0"/>
+          <a:chExt cx="0" cy="0"/>
+        </a:xfrm>
+      </p:grpSpPr>
+      <p:sp>
+        <p:nvSpPr>
+          <p:cNvPr id="5" name="TextBox 4">
+            <a:extLst>
+              <a:ext uri="{FF2B5EF4-FFF2-40B4-BE49-F238E27FC236}">
                 <a16:creationId xmlns:a16="http://schemas.microsoft.com/office/drawing/2014/main" id="{E7036466-9C14-CBFB-5700-3F2CD849AA54}"/>
               </a:ext>
             </a:extLst>
@@ -22668,7 +22815,7 @@
 </p:sld>
 </file>
 
-<file path=ppt/slides/slide21.xml><?xml version="1.0" encoding="utf-8"?>
+<file path=ppt/slides/slide22.xml><?xml version="1.0" encoding="utf-8"?>
 <p:sld xmlns:a="http://schemas.openxmlformats.org/drawingml/2006/main" xmlns:r="http://schemas.openxmlformats.org/officeDocument/2006/relationships" xmlns:p="http://schemas.openxmlformats.org/presentationml/2006/main">
   <p:cSld>
     <p:spTree>
@@ -22769,7 +22916,7 @@
 </p:sld>
 </file>
 
-<file path=ppt/slides/slide22.xml><?xml version="1.0" encoding="utf-8"?>
+<file path=ppt/slides/slide23.xml><?xml version="1.0" encoding="utf-8"?>
 <p:sld xmlns:a="http://schemas.openxmlformats.org/drawingml/2006/main" xmlns:r="http://schemas.openxmlformats.org/officeDocument/2006/relationships" xmlns:p="http://schemas.openxmlformats.org/presentationml/2006/main">
   <p:cSld>
     <p:spTree>
@@ -22990,7 +23137,7 @@
 </p:sld>
 </file>
 
-<file path=ppt/slides/slide23.xml><?xml version="1.0" encoding="utf-8"?>
+<file path=ppt/slides/slide24.xml><?xml version="1.0" encoding="utf-8"?>
 <p:sld xmlns:a="http://schemas.openxmlformats.org/drawingml/2006/main" xmlns:r="http://schemas.openxmlformats.org/officeDocument/2006/relationships" xmlns:p="http://schemas.openxmlformats.org/presentationml/2006/main">
   <p:cSld>
     <p:spTree>
@@ -23181,7 +23328,7 @@
 </p:sld>
 </file>
 
-<file path=ppt/slides/slide24.xml><?xml version="1.0" encoding="utf-8"?>
+<file path=ppt/slides/slide25.xml><?xml version="1.0" encoding="utf-8"?>
 <p:sld xmlns:a="http://schemas.openxmlformats.org/drawingml/2006/main" xmlns:r="http://schemas.openxmlformats.org/officeDocument/2006/relationships" xmlns:p="http://schemas.openxmlformats.org/presentationml/2006/main">
   <p:cSld>
     <p:spTree>
@@ -23352,7 +23499,7 @@
 </p:sld>
 </file>
 
-<file path=ppt/slides/slide25.xml><?xml version="1.0" encoding="utf-8"?>
+<file path=ppt/slides/slide26.xml><?xml version="1.0" encoding="utf-8"?>
 <p:sld xmlns:a="http://schemas.openxmlformats.org/drawingml/2006/main" xmlns:r="http://schemas.openxmlformats.org/officeDocument/2006/relationships" xmlns:p="http://schemas.openxmlformats.org/presentationml/2006/main">
   <p:cSld>
     <p:spTree>
@@ -40261,6 +40408,26 @@
 <file path=ppt/tags/tag10.xml><?xml version="1.0" encoding="utf-8"?>
 <p:tagLst xmlns:a="http://schemas.openxmlformats.org/drawingml/2006/main" xmlns:r="http://schemas.openxmlformats.org/officeDocument/2006/relationships" xmlns:p="http://schemas.openxmlformats.org/presentationml/2006/main">
   <p:tag name="OUTPUTDPI" val="1200"/>
+  <p:tag name="ORIGINALHEIGHT" val="24"/>
+  <p:tag name="ORIGINALWIDTH" val="249"/>
+  <p:tag name="OUTPUTTYPE" val="PDF"/>
+  <p:tag name="IGUANATEXVERSION" val="160"/>
+  <p:tag name="LATEXADDIN" val="\documentclass{article}&#10;\usepackage{amssymb,amsmath,bbm,mathrsfs}&#10;\setlength\parindent{0em}&#10;\usepackage{geometry}&#10;\geometry{textwidth=10cm}&#10;\setlength\parskip{1em}&#10;\pagestyle{empty}&#10;\begin{document}&#10;&#10;$$&#10;\text { corpo 1: }\left\{\begin{array} { l } &#10;{ u = u _ { A } - \theta _ { 1 } y _ { 1 } } \\&#10;{ v = v _ { A } + \theta _ { 1 } x _ { 1 } }&#10;\end{array} \quad \text { corpo 2: } \left\{\begin{array}{l}&#10;u=u_B-\theta_2 y_2 \\&#10;v=v_B+\theta_2 x_2&#10;\end{array}\right.\right.&#10;$$&#10;&#10;\end{document}"/>
+  <p:tag name="IGUANATEXSIZE" val="20"/>
+  <p:tag name="IGUANATEXCURSOR" val="472"/>
+  <p:tag name="TRANSPARENCY" val="True"/>
+  <p:tag name="LATEXENGINEID" val="0"/>
+  <p:tag name="TEMPFOLDER" val="/private/var/folders/bl/qr6kzqqj6dq26b3546l3vykm0000gn/T/com.microsoft.Powerpoint/TemporaryItems/"/>
+  <p:tag name="LATEXFORMHEIGHT" val="426,65"/>
+  <p:tag name="LATEXFORMWIDTH" val="513,35"/>
+  <p:tag name="LATEXFORMWRAP" val="True"/>
+  <p:tag name="BITMAPVECTOR" val="0"/>
+</p:tagLst>
+</file>
+
+<file path=ppt/tags/tag11.xml><?xml version="1.0" encoding="utf-8"?>
+<p:tagLst xmlns:a="http://schemas.openxmlformats.org/drawingml/2006/main" xmlns:r="http://schemas.openxmlformats.org/officeDocument/2006/relationships" xmlns:p="http://schemas.openxmlformats.org/presentationml/2006/main">
+  <p:tag name="OUTPUTDPI" val="1200"/>
   <p:tag name="ORIGINALHEIGHT" val="45"/>
   <p:tag name="ORIGINALWIDTH" val="259"/>
   <p:tag name="OUTPUTTYPE" val="PDF"/>
@@ -40278,7 +40445,7 @@
 </p:tagLst>
 </file>
 
-<file path=ppt/tags/tag11.xml><?xml version="1.0" encoding="utf-8"?>
+<file path=ppt/tags/tag12.xml><?xml version="1.0" encoding="utf-8"?>
 <p:tagLst xmlns:a="http://schemas.openxmlformats.org/drawingml/2006/main" xmlns:r="http://schemas.openxmlformats.org/officeDocument/2006/relationships" xmlns:p="http://schemas.openxmlformats.org/presentationml/2006/main">
   <p:tag name="OUTPUTDPI" val="1200"/>
   <p:tag name="ORIGINALHEIGHT" val="31"/>
@@ -40298,7 +40465,7 @@
 </p:tagLst>
 </file>
 
-<file path=ppt/tags/tag12.xml><?xml version="1.0" encoding="utf-8"?>
+<file path=ppt/tags/tag13.xml><?xml version="1.0" encoding="utf-8"?>
 <p:tagLst xmlns:a="http://schemas.openxmlformats.org/drawingml/2006/main" xmlns:r="http://schemas.openxmlformats.org/officeDocument/2006/relationships" xmlns:p="http://schemas.openxmlformats.org/presentationml/2006/main">
   <p:tag name="OUTPUTDPI" val="1200"/>
   <p:tag name="ORIGINALHEIGHT" val="43"/>
@@ -40318,7 +40485,7 @@
 </p:tagLst>
 </file>
 
-<file path=ppt/tags/tag13.xml><?xml version="1.0" encoding="utf-8"?>
+<file path=ppt/tags/tag14.xml><?xml version="1.0" encoding="utf-8"?>
 <p:tagLst xmlns:a="http://schemas.openxmlformats.org/drawingml/2006/main" xmlns:r="http://schemas.openxmlformats.org/officeDocument/2006/relationships" xmlns:p="http://schemas.openxmlformats.org/presentationml/2006/main">
   <p:tag name="OUTPUTDPI" val="1200"/>
   <p:tag name="ORIGINALHEIGHT" val="102"/>
@@ -40338,7 +40505,7 @@
 </p:tagLst>
 </file>
 
-<file path=ppt/tags/tag14.xml><?xml version="1.0" encoding="utf-8"?>
+<file path=ppt/tags/tag15.xml><?xml version="1.0" encoding="utf-8"?>
 <p:tagLst xmlns:a="http://schemas.openxmlformats.org/drawingml/2006/main" xmlns:r="http://schemas.openxmlformats.org/officeDocument/2006/relationships" xmlns:p="http://schemas.openxmlformats.org/presentationml/2006/main">
   <p:tag name="OUTPUTDPI" val="1200"/>
   <p:tag name="ORIGINALHEIGHT" val="135"/>
@@ -40358,7 +40525,7 @@
 </p:tagLst>
 </file>
 
-<file path=ppt/tags/tag15.xml><?xml version="1.0" encoding="utf-8"?>
+<file path=ppt/tags/tag16.xml><?xml version="1.0" encoding="utf-8"?>
 <p:tagLst xmlns:a="http://schemas.openxmlformats.org/drawingml/2006/main" xmlns:r="http://schemas.openxmlformats.org/officeDocument/2006/relationships" xmlns:p="http://schemas.openxmlformats.org/presentationml/2006/main">
   <p:tag name="OUTPUTDPI" val="1200"/>
   <p:tag name="ORIGINALHEIGHT" val="80"/>
@@ -40378,7 +40545,7 @@
 </p:tagLst>
 </file>
 
-<file path=ppt/tags/tag16.xml><?xml version="1.0" encoding="utf-8"?>
+<file path=ppt/tags/tag17.xml><?xml version="1.0" encoding="utf-8"?>
 <p:tagLst xmlns:a="http://schemas.openxmlformats.org/drawingml/2006/main" xmlns:r="http://schemas.openxmlformats.org/officeDocument/2006/relationships" xmlns:p="http://schemas.openxmlformats.org/presentationml/2006/main">
   <p:tag name="OUTPUTDPI" val="1200"/>
   <p:tag name="ORIGINALHEIGHT" val="210"/>
@@ -40398,7 +40565,7 @@
 </p:tagLst>
 </file>
 
-<file path=ppt/tags/tag17.xml><?xml version="1.0" encoding="utf-8"?>
+<file path=ppt/tags/tag18.xml><?xml version="1.0" encoding="utf-8"?>
 <p:tagLst xmlns:a="http://schemas.openxmlformats.org/drawingml/2006/main" xmlns:r="http://schemas.openxmlformats.org/officeDocument/2006/relationships" xmlns:p="http://schemas.openxmlformats.org/presentationml/2006/main">
   <p:tag name="OUTPUTDPI" val="1200"/>
   <p:tag name="ORIGINALHEIGHT" val="211"/>
@@ -40418,7 +40585,7 @@
 </p:tagLst>
 </file>
 
-<file path=ppt/tags/tag18.xml><?xml version="1.0" encoding="utf-8"?>
+<file path=ppt/tags/tag19.xml><?xml version="1.0" encoding="utf-8"?>
 <p:tagLst xmlns:a="http://schemas.openxmlformats.org/drawingml/2006/main" xmlns:r="http://schemas.openxmlformats.org/officeDocument/2006/relationships" xmlns:p="http://schemas.openxmlformats.org/presentationml/2006/main">
   <p:tag name="OUTPUTDPI" val="1200"/>
   <p:tag name="ORIGINALHEIGHT" val="56"/>
@@ -40428,26 +40595,6 @@
   <p:tag name="LATEXADDIN" val="\documentclass{article}&#10;\usepackage{amssymb,amsmath,bbm,mathrsfs}&#10;\setlength\parindent{0em}&#10;\usepackage{geometry}&#10;\geometry{textwidth=15cm}&#10;\setlength\parskip{1em}&#10;\pagestyle{empty}&#10;\begin{document}&#10;&#10;- I teorema (applicabile se $n_c \geq 2$ ). In un sistema labile o degenere, per ogni coppia di corpi $i$ e $j$ i centri assoluti di rotazione $C_i$ e $C_j$ sono allineati con il centro di rotazione relativa $C_{i j}$.&#10;&#10;- II teorema (applicabile se $n_c \geq 3$ ). In un sistema labile o degenere, per ogni terna di corpi $i, j$ e $k$ i centri relativi $C_{i j}$, $C_{j k}$ e $C_{i k}$ sono allineati.&#10;&#10;\end{document}"/>
   <p:tag name="IGUANATEXSIZE" val="20"/>
   <p:tag name="IGUANATEXCURSOR" val="136"/>
-  <p:tag name="TRANSPARENCY" val="True"/>
-  <p:tag name="LATEXENGINEID" val="0"/>
-  <p:tag name="TEMPFOLDER" val="/private/var/folders/bl/qr6kzqqj6dq26b3546l3vykm0000gn/T/com.microsoft.Powerpoint/TemporaryItems/"/>
-  <p:tag name="LATEXFORMHEIGHT" val="426,65"/>
-  <p:tag name="LATEXFORMWIDTH" val="513,35"/>
-  <p:tag name="LATEXFORMWRAP" val="True"/>
-  <p:tag name="BITMAPVECTOR" val="0"/>
-</p:tagLst>
-</file>
-
-<file path=ppt/tags/tag19.xml><?xml version="1.0" encoding="utf-8"?>
-<p:tagLst xmlns:a="http://schemas.openxmlformats.org/drawingml/2006/main" xmlns:r="http://schemas.openxmlformats.org/officeDocument/2006/relationships" xmlns:p="http://schemas.openxmlformats.org/presentationml/2006/main">
-  <p:tag name="OUTPUTDPI" val="1200"/>
-  <p:tag name="ORIGINALHEIGHT" val="113"/>
-  <p:tag name="ORIGINALWIDTH" val="425"/>
-  <p:tag name="OUTPUTTYPE" val="PDF"/>
-  <p:tag name="IGUANATEXVERSION" val="160"/>
-  <p:tag name="LATEXADDIN" val="\documentclass{article}&#10;\usepackage{amssymb,amsmath,bbm,mathrsfs}&#10;\setlength\parindent{0em}&#10;\usepackage{geometry}&#10;\geometry{textwidth=15cm}&#10;\setlength\parskip{1em}&#10;\pagestyle{empty}&#10;\begin{document}&#10;Nei sistemi labili o degeneri di grado 1 i centri di rotazione assoluti e relativi sono individuabili in modo univoco.&#10;&#10;La loro conoscenza permette di ottenere per via geometrica una delle $\infty^1$ possibili configurazioni variate della struttura in funzione di un solo parametro scalare, ad esempio una componente di spostamento in un punto o la rotazione di uno dei corpi. &#10;&#10;La configurazione variata di un sistema con grado di labilità pari a 1 è denominata comunemente catena cinematica e, per quanto si è detto, può essere determinata geometricamente con l'ausilio dei due teoremi precedenti.&#10;&#10;&#10;\end{document}"/>
-  <p:tag name="IGUANATEXSIZE" val="20"/>
-  <p:tag name="IGUANATEXCURSOR" val="578"/>
   <p:tag name="TRANSPARENCY" val="True"/>
   <p:tag name="LATEXENGINEID" val="0"/>
   <p:tag name="TEMPFOLDER" val="/private/var/folders/bl/qr6kzqqj6dq26b3546l3vykm0000gn/T/com.microsoft.Powerpoint/TemporaryItems/"/>
@@ -40481,6 +40628,26 @@
 <file path=ppt/tags/tag20.xml><?xml version="1.0" encoding="utf-8"?>
 <p:tagLst xmlns:a="http://schemas.openxmlformats.org/drawingml/2006/main" xmlns:r="http://schemas.openxmlformats.org/officeDocument/2006/relationships" xmlns:p="http://schemas.openxmlformats.org/presentationml/2006/main">
   <p:tag name="OUTPUTDPI" val="1200"/>
+  <p:tag name="ORIGINALHEIGHT" val="113"/>
+  <p:tag name="ORIGINALWIDTH" val="425"/>
+  <p:tag name="OUTPUTTYPE" val="PDF"/>
+  <p:tag name="IGUANATEXVERSION" val="160"/>
+  <p:tag name="LATEXADDIN" val="\documentclass{article}&#10;\usepackage{amssymb,amsmath,bbm,mathrsfs}&#10;\setlength\parindent{0em}&#10;\usepackage{geometry}&#10;\geometry{textwidth=15cm}&#10;\setlength\parskip{1em}&#10;\pagestyle{empty}&#10;\begin{document}&#10;Nei sistemi labili o degeneri di grado 1 i centri di rotazione assoluti e relativi sono individuabili in modo univoco.&#10;&#10;La loro conoscenza permette di ottenere per via geometrica una delle $\infty^1$ possibili configurazioni variate della struttura in funzione di un solo parametro scalare, ad esempio una componente di spostamento in un punto o la rotazione di uno dei corpi. &#10;&#10;La configurazione variata di un sistema con grado di labilità pari a 1 è denominata comunemente catena cinematica e, per quanto si è detto, può essere determinata geometricamente con l'ausilio dei due teoremi precedenti.&#10;&#10;&#10;\end{document}"/>
+  <p:tag name="IGUANATEXSIZE" val="20"/>
+  <p:tag name="IGUANATEXCURSOR" val="578"/>
+  <p:tag name="TRANSPARENCY" val="True"/>
+  <p:tag name="LATEXENGINEID" val="0"/>
+  <p:tag name="TEMPFOLDER" val="/private/var/folders/bl/qr6kzqqj6dq26b3546l3vykm0000gn/T/com.microsoft.Powerpoint/TemporaryItems/"/>
+  <p:tag name="LATEXFORMHEIGHT" val="426,65"/>
+  <p:tag name="LATEXFORMWIDTH" val="513,35"/>
+  <p:tag name="LATEXFORMWRAP" val="True"/>
+  <p:tag name="BITMAPVECTOR" val="0"/>
+</p:tagLst>
+</file>
+
+<file path=ppt/tags/tag21.xml><?xml version="1.0" encoding="utf-8"?>
+<p:tagLst xmlns:a="http://schemas.openxmlformats.org/drawingml/2006/main" xmlns:r="http://schemas.openxmlformats.org/officeDocument/2006/relationships" xmlns:p="http://schemas.openxmlformats.org/presentationml/2006/main">
+  <p:tag name="OUTPUTDPI" val="1200"/>
   <p:tag name="ORIGINALHEIGHT" val="56"/>
   <p:tag name="ORIGINALWIDTH" val="425"/>
   <p:tag name="OUTPUTTYPE" val="PDF"/>
@@ -40498,7 +40665,7 @@
 </p:tagLst>
 </file>
 
-<file path=ppt/tags/tag21.xml><?xml version="1.0" encoding="utf-8"?>
+<file path=ppt/tags/tag22.xml><?xml version="1.0" encoding="utf-8"?>
 <p:tagLst xmlns:a="http://schemas.openxmlformats.org/drawingml/2006/main" xmlns:r="http://schemas.openxmlformats.org/officeDocument/2006/relationships" xmlns:p="http://schemas.openxmlformats.org/presentationml/2006/main">
   <p:tag name="OUTPUTDPI" val="1200"/>
   <p:tag name="ORIGINALHEIGHT" val="113"/>
@@ -40518,7 +40685,7 @@
 </p:tagLst>
 </file>
 
-<file path=ppt/tags/tag22.xml><?xml version="1.0" encoding="utf-8"?>
+<file path=ppt/tags/tag23.xml><?xml version="1.0" encoding="utf-8"?>
 <p:tagLst xmlns:a="http://schemas.openxmlformats.org/drawingml/2006/main" xmlns:r="http://schemas.openxmlformats.org/officeDocument/2006/relationships" xmlns:p="http://schemas.openxmlformats.org/presentationml/2006/main">
   <p:tag name="OUTPUTDPI" val="1200"/>
   <p:tag name="ORIGINALHEIGHT" val="363"/>
@@ -40641,13 +40808,13 @@
 <file path=ppt/tags/tag8.xml><?xml version="1.0" encoding="utf-8"?>
 <p:tagLst xmlns:a="http://schemas.openxmlformats.org/drawingml/2006/main" xmlns:r="http://schemas.openxmlformats.org/officeDocument/2006/relationships" xmlns:p="http://schemas.openxmlformats.org/presentationml/2006/main">
   <p:tag name="OUTPUTDPI" val="1200"/>
-  <p:tag name="ORIGINALHEIGHT" val="99"/>
+  <p:tag name="ORIGINALHEIGHT" val="21"/>
   <p:tag name="ORIGINALWIDTH" val="283"/>
   <p:tag name="OUTPUTTYPE" val="PDF"/>
   <p:tag name="IGUANATEXVERSION" val="160"/>
-  <p:tag name="LATEXADDIN" val="\documentclass{article}&#10;\usepackage{amssymb,amsmath,bbm,mathrsfs}&#10;\setlength\parindent{0em}&#10;\usepackage{geometry}&#10;\geometry{textwidth=10cm}&#10;\setlength\parskip{1em}&#10;\pagestyle{empty}&#10;\begin{document}&#10;&#10;Si sceglie come polo di riduzione per gli spostamenti e come origine del sistema di riferimento il punto A per il corpo 1 e il punto $B$ per il corpo 2, &#10;&#10;Con questa scelta, si ha:&#10;&#10; $\operatorname{corpo} 1\left(x_1,y_1\right): \quad A \equiv(0,0) \quad B \equiv(l, 0) \quad C \equiv(2 l, 0)$&#10;&#10;$\operatorname{corpo} 2\left(x_2,y_2\right): \quad B \equiv(0,0) \quad D \equiv(l,-l)$&#10;&#10;\end{document}"/>
+  <p:tag name="LATEXADDIN" val="\documentclass{article}&#10;\usepackage{amssymb,amsmath,bbm,mathrsfs}&#10;\setlength\parindent{0em}&#10;\usepackage{geometry}&#10;\geometry{textwidth=10cm}&#10;\setlength\parskip{1em}&#10;\pagestyle{empty}&#10;\begin{document}&#10;Si definisce grado di labilità della struttura la dimensione dello spazione delle soluzioni del problema cinematico.&#10;&#10;&#10;\end{document}"/>
   <p:tag name="IGUANATEXSIZE" val="20"/>
-  <p:tag name="IGUANATEXCURSOR" val="527"/>
+  <p:tag name="IGUANATEXCURSOR" val="315"/>
   <p:tag name="TRANSPARENCY" val="True"/>
   <p:tag name="LATEXENGINEID" val="0"/>
   <p:tag name="TEMPFOLDER" val="/private/var/folders/bl/qr6kzqqj6dq26b3546l3vykm0000gn/T/com.microsoft.Powerpoint/TemporaryItems/"/>
@@ -40661,13 +40828,13 @@
 <file path=ppt/tags/tag9.xml><?xml version="1.0" encoding="utf-8"?>
 <p:tagLst xmlns:a="http://schemas.openxmlformats.org/drawingml/2006/main" xmlns:r="http://schemas.openxmlformats.org/officeDocument/2006/relationships" xmlns:p="http://schemas.openxmlformats.org/presentationml/2006/main">
   <p:tag name="OUTPUTDPI" val="1200"/>
-  <p:tag name="ORIGINALHEIGHT" val="24"/>
-  <p:tag name="ORIGINALWIDTH" val="249"/>
+  <p:tag name="ORIGINALHEIGHT" val="99"/>
+  <p:tag name="ORIGINALWIDTH" val="283"/>
   <p:tag name="OUTPUTTYPE" val="PDF"/>
   <p:tag name="IGUANATEXVERSION" val="160"/>
-  <p:tag name="LATEXADDIN" val="\documentclass{article}&#10;\usepackage{amssymb,amsmath,bbm,mathrsfs}&#10;\setlength\parindent{0em}&#10;\usepackage{geometry}&#10;\geometry{textwidth=10cm}&#10;\setlength\parskip{1em}&#10;\pagestyle{empty}&#10;\begin{document}&#10;&#10;$$&#10;\text { corpo 1: }\left\{\begin{array} { l } &#10;{ u = u _ { A } - \theta _ { 1 } y _ { 1 } } \\&#10;{ v = v _ { A } + \theta _ { 1 } x _ { 1 } }&#10;\end{array} \quad \text { corpo 2: } \left\{\begin{array}{l}&#10;u=u_B-\theta_2 y_2 \\&#10;v=v_B+\theta_2 x_2&#10;\end{array}\right.\right.&#10;$$&#10;&#10;\end{document}"/>
+  <p:tag name="LATEXADDIN" val="\documentclass{article}&#10;\usepackage{amssymb,amsmath,bbm,mathrsfs}&#10;\setlength\parindent{0em}&#10;\usepackage{geometry}&#10;\geometry{textwidth=10cm}&#10;\setlength\parskip{1em}&#10;\pagestyle{empty}&#10;\begin{document}&#10;&#10;Si sceglie come polo di riduzione per gli spostamenti e come origine del sistema di riferimento il punto A per il corpo 1 e il punto $B$ per il corpo 2, &#10;&#10;Con questa scelta, si ha:&#10;&#10; $\operatorname{corpo} 1\left(x_1,y_1\right): \quad A \equiv(0,0) \quad B \equiv(l, 0) \quad C \equiv(2 l, 0)$&#10;&#10;$\operatorname{corpo} 2\left(x_2,y_2\right): \quad B \equiv(0,0) \quad D \equiv(l,-l)$&#10;&#10;\end{document}"/>
   <p:tag name="IGUANATEXSIZE" val="20"/>
-  <p:tag name="IGUANATEXCURSOR" val="472"/>
+  <p:tag name="IGUANATEXCURSOR" val="527"/>
   <p:tag name="TRANSPARENCY" val="True"/>
   <p:tag name="LATEXENGINEID" val="0"/>
   <p:tag name="TEMPFOLDER" val="/private/var/folders/bl/qr6kzqqj6dq26b3546l3vykm0000gn/T/com.microsoft.Powerpoint/TemporaryItems/"/>
